--- a/lesson03.pptx
+++ b/lesson03.pptx
@@ -625,16 +625,24 @@
   <pc:docChgLst>
     <pc:chgData name="Anatoliy Kigel" userId="7432c6c4687b0a9c" providerId="LiveId" clId="{16C0F5D8-D2B0-4CFC-86A2-CCB10DC1F1EC}"/>
     <pc:docChg chg="undo custSel delSld modSld">
-      <pc:chgData name="Anatoliy Kigel" userId="7432c6c4687b0a9c" providerId="LiveId" clId="{16C0F5D8-D2B0-4CFC-86A2-CCB10DC1F1EC}" dt="2021-05-26T07:36:36.769" v="30" actId="20577"/>
+      <pc:chgData name="Anatoliy Kigel" userId="7432c6c4687b0a9c" providerId="LiveId" clId="{16C0F5D8-D2B0-4CFC-86A2-CCB10DC1F1EC}" dt="2021-05-29T06:47:31.184" v="75" actId="255"/>
       <pc:docMkLst>
         <pc:docMk/>
       </pc:docMkLst>
       <pc:sldChg chg="modSp mod">
-        <pc:chgData name="Anatoliy Kigel" userId="7432c6c4687b0a9c" providerId="LiveId" clId="{16C0F5D8-D2B0-4CFC-86A2-CCB10DC1F1EC}" dt="2021-05-26T07:36:36.769" v="30" actId="20577"/>
+        <pc:chgData name="Anatoliy Kigel" userId="7432c6c4687b0a9c" providerId="LiveId" clId="{16C0F5D8-D2B0-4CFC-86A2-CCB10DC1F1EC}" dt="2021-05-29T06:47:31.184" v="75" actId="255"/>
         <pc:sldMkLst>
           <pc:docMk/>
           <pc:sldMk cId="4250416377" sldId="437"/>
         </pc:sldMkLst>
+        <pc:spChg chg="mod">
+          <ac:chgData name="Anatoliy Kigel" userId="7432c6c4687b0a9c" providerId="LiveId" clId="{16C0F5D8-D2B0-4CFC-86A2-CCB10DC1F1EC}" dt="2021-05-29T06:47:31.184" v="75" actId="255"/>
+          <ac:spMkLst>
+            <pc:docMk/>
+            <pc:sldMk cId="4250416377" sldId="437"/>
+            <ac:spMk id="2" creationId="{00000000-0000-0000-0000-000000000000}"/>
+          </ac:spMkLst>
+        </pc:spChg>
         <pc:spChg chg="mod">
           <ac:chgData name="Anatoliy Kigel" userId="7432c6c4687b0a9c" providerId="LiveId" clId="{16C0F5D8-D2B0-4CFC-86A2-CCB10DC1F1EC}" dt="2021-05-26T07:36:36.769" v="30" actId="20577"/>
           <ac:spMkLst>
@@ -761,7 +769,7 @@
             <a:fld id="{85522811-C5C6-42D2-A409-F8556720C93F}" type="datetimeFigureOut">
               <a:rPr lang="uk-UA" smtClean="0"/>
               <a:pPr/>
-              <a:t>26.05.2021</a:t>
+              <a:t>29.05.2021</a:t>
             </a:fld>
             <a:endParaRPr lang="uk-UA"/>
           </a:p>
@@ -1301,7 +1309,7 @@
             <a:fld id="{E6FC6B0D-6115-4D7C-8040-9C8E2349BB6E}" type="datetime1">
               <a:rPr lang="uk-UA" smtClean="0"/>
               <a:pPr/>
-              <a:t>26.05.2021</a:t>
+              <a:t>29.05.2021</a:t>
             </a:fld>
             <a:endParaRPr lang="uk-UA"/>
           </a:p>
@@ -1468,7 +1476,7 @@
             <a:fld id="{996367BA-0A39-4DE2-BFC3-D5290044365E}" type="datetime1">
               <a:rPr lang="uk-UA" smtClean="0"/>
               <a:pPr/>
-              <a:t>26.05.2021</a:t>
+              <a:t>29.05.2021</a:t>
             </a:fld>
             <a:endParaRPr lang="uk-UA"/>
           </a:p>
@@ -1645,7 +1653,7 @@
             <a:fld id="{1BD6A67F-6C29-47DC-AF8A-FDB3C787DF70}" type="datetime1">
               <a:rPr lang="uk-UA" smtClean="0"/>
               <a:pPr/>
-              <a:t>26.05.2021</a:t>
+              <a:t>29.05.2021</a:t>
             </a:fld>
             <a:endParaRPr lang="uk-UA"/>
           </a:p>
@@ -1812,7 +1820,7 @@
             <a:fld id="{1657D9C5-7FF1-434F-B56E-9BAD559744E9}" type="datetime1">
               <a:rPr lang="uk-UA" smtClean="0"/>
               <a:pPr/>
-              <a:t>26.05.2021</a:t>
+              <a:t>29.05.2021</a:t>
             </a:fld>
             <a:endParaRPr lang="uk-UA"/>
           </a:p>
@@ -2055,7 +2063,7 @@
             <a:fld id="{2CEB0FC9-DE63-476B-A1A9-BE934D9049F8}" type="datetime1">
               <a:rPr lang="uk-UA" smtClean="0"/>
               <a:pPr/>
-              <a:t>26.05.2021</a:t>
+              <a:t>29.05.2021</a:t>
             </a:fld>
             <a:endParaRPr lang="uk-UA"/>
           </a:p>
@@ -2340,7 +2348,7 @@
             <a:fld id="{F964460F-86E2-4DF6-9D0F-12F5005CF375}" type="datetime1">
               <a:rPr lang="uk-UA" smtClean="0"/>
               <a:pPr/>
-              <a:t>26.05.2021</a:t>
+              <a:t>29.05.2021</a:t>
             </a:fld>
             <a:endParaRPr lang="uk-UA"/>
           </a:p>
@@ -2759,7 +2767,7 @@
             <a:fld id="{C521715E-DDCD-4267-B0A5-2918B6F6768A}" type="datetime1">
               <a:rPr lang="uk-UA" smtClean="0"/>
               <a:pPr/>
-              <a:t>26.05.2021</a:t>
+              <a:t>29.05.2021</a:t>
             </a:fld>
             <a:endParaRPr lang="uk-UA"/>
           </a:p>
@@ -2874,7 +2882,7 @@
             <a:fld id="{9289842C-EB2D-4EBB-A272-2F6A49D9794D}" type="datetime1">
               <a:rPr lang="uk-UA" smtClean="0"/>
               <a:pPr/>
-              <a:t>26.05.2021</a:t>
+              <a:t>29.05.2021</a:t>
             </a:fld>
             <a:endParaRPr lang="uk-UA"/>
           </a:p>
@@ -2966,7 +2974,7 @@
             <a:fld id="{D036F091-B700-4B52-99AC-85D0FD94D904}" type="datetime1">
               <a:rPr lang="uk-UA" smtClean="0"/>
               <a:pPr/>
-              <a:t>26.05.2021</a:t>
+              <a:t>29.05.2021</a:t>
             </a:fld>
             <a:endParaRPr lang="uk-UA"/>
           </a:p>
@@ -3240,7 +3248,7 @@
             <a:fld id="{B35DFABA-3811-4634-B803-2EAC4CD0063B}" type="datetime1">
               <a:rPr lang="uk-UA" smtClean="0"/>
               <a:pPr/>
-              <a:t>26.05.2021</a:t>
+              <a:t>29.05.2021</a:t>
             </a:fld>
             <a:endParaRPr lang="uk-UA"/>
           </a:p>
@@ -3490,7 +3498,7 @@
             <a:fld id="{8A9EA25E-F88E-463A-A119-D1E55A881002}" type="datetime1">
               <a:rPr lang="uk-UA" smtClean="0"/>
               <a:pPr/>
-              <a:t>26.05.2021</a:t>
+              <a:t>29.05.2021</a:t>
             </a:fld>
             <a:endParaRPr lang="uk-UA"/>
           </a:p>
@@ -3700,7 +3708,7 @@
             <a:fld id="{E708ED03-0080-49A2-B709-7DA4ACB3A1C3}" type="datetime1">
               <a:rPr lang="uk-UA" smtClean="0"/>
               <a:pPr/>
-              <a:t>26.05.2021</a:t>
+              <a:t>29.05.2021</a:t>
             </a:fld>
             <a:endParaRPr lang="uk-UA"/>
           </a:p>
@@ -8548,7 +8556,15 @@
             <a:pPr algn="l"/>
             <a:r>
               <a:rPr lang="ru-RU" sz="2800" dirty="0"/>
-              <a:t>Составьте список дат (</a:t>
+              <a:t>Составьте </a:t>
+            </a:r>
+            <a:r>
+              <a:rPr lang="ru-RU" sz="2800" b="1" dirty="0"/>
+              <a:t>список дат </a:t>
+            </a:r>
+            <a:r>
+              <a:rPr lang="ru-RU" sz="2800" dirty="0"/>
+              <a:t>(</a:t>
             </a:r>
             <a:r>
               <a:rPr lang="ru-RU" sz="2800" i="1" dirty="0"/>
@@ -8556,7 +8572,23 @@
             </a:r>
             <a:r>
               <a:rPr lang="ru-RU" sz="2800" dirty="0"/>
-              <a:t>), когда ожидаются платежи по облигациям госзайма, с суммой всех платежей которые в этот день должны быть выполнены (</a:t>
+              <a:t>), </a:t>
+            </a:r>
+            <a:r>
+              <a:rPr lang="ru-RU" sz="2800" b="1" dirty="0"/>
+              <a:t>когда ожидаются</a:t>
+            </a:r>
+            <a:r>
+              <a:rPr lang="en-US" sz="2800" b="1" dirty="0"/>
+              <a:t> </a:t>
+            </a:r>
+            <a:r>
+              <a:rPr lang="ru-RU" sz="2800" b="1" dirty="0"/>
+              <a:t>выплаты по облигациям госзайма</a:t>
+            </a:r>
+            <a:r>
+              <a:rPr lang="ru-RU" sz="2800" dirty="0"/>
+              <a:t>, с суммой всех платежей которые в этот день должны быть выполнены (</a:t>
             </a:r>
             <a:r>
               <a:rPr lang="ru-RU" sz="2800" i="1" dirty="0">
@@ -8570,7 +8602,29 @@
             </a:r>
             <a:r>
               <a:rPr lang="ru-RU" sz="2800" dirty="0"/>
-              <a:t>). (Платежи, которые НЕ в гривне, пересчитайте в гривну).</a:t>
+              <a:t>). (Платежи, которые НЕ в гривне, пересчитайте в гривну, по курсу 28/</a:t>
+            </a:r>
+            <a:r>
+              <a:rPr lang="en-US" sz="2800" dirty="0"/>
+              <a:t>$ </a:t>
+            </a:r>
+            <a:r>
+              <a:rPr lang="ru-RU" sz="2800" dirty="0"/>
+              <a:t>и 33/</a:t>
+            </a:r>
+            <a:r>
+              <a:rPr lang="uk-UA" sz="2800" b="0" i="0" dirty="0">
+                <a:solidFill>
+                  <a:srgbClr val="222222"/>
+                </a:solidFill>
+                <a:effectLst/>
+                <a:latin typeface="Google Sans"/>
+              </a:rPr>
+              <a:t>€</a:t>
+            </a:r>
+            <a:r>
+              <a:rPr lang="ru-RU" sz="2800" dirty="0"/>
+              <a:t>).</a:t>
             </a:r>
           </a:p>
         </p:txBody>
